--- a/CloudComputing-Demo.pptx
+++ b/CloudComputing-Demo.pptx
@@ -5,38 +5,39 @@
     <p:sldMasterId id="2147483720" r:id="rId1"/>
   </p:sldMasterIdLst>
   <p:notesMasterIdLst>
-    <p:notesMasterId r:id="rId31"/>
+    <p:notesMasterId r:id="rId32"/>
   </p:notesMasterIdLst>
   <p:sldIdLst>
     <p:sldId id="256" r:id="rId2"/>
-    <p:sldId id="277" r:id="rId3"/>
-    <p:sldId id="270" r:id="rId4"/>
-    <p:sldId id="259" r:id="rId5"/>
-    <p:sldId id="279" r:id="rId6"/>
-    <p:sldId id="260" r:id="rId7"/>
-    <p:sldId id="258" r:id="rId8"/>
-    <p:sldId id="280" r:id="rId9"/>
-    <p:sldId id="261" r:id="rId10"/>
-    <p:sldId id="257" r:id="rId11"/>
-    <p:sldId id="276" r:id="rId12"/>
-    <p:sldId id="263" r:id="rId13"/>
-    <p:sldId id="281" r:id="rId14"/>
-    <p:sldId id="273" r:id="rId15"/>
-    <p:sldId id="282" r:id="rId16"/>
-    <p:sldId id="275" r:id="rId17"/>
-    <p:sldId id="283" r:id="rId18"/>
-    <p:sldId id="274" r:id="rId19"/>
-    <p:sldId id="262" r:id="rId20"/>
-    <p:sldId id="285" r:id="rId21"/>
-    <p:sldId id="264" r:id="rId22"/>
-    <p:sldId id="284" r:id="rId23"/>
-    <p:sldId id="286" r:id="rId24"/>
-    <p:sldId id="287" r:id="rId25"/>
-    <p:sldId id="278" r:id="rId26"/>
-    <p:sldId id="265" r:id="rId27"/>
-    <p:sldId id="288" r:id="rId28"/>
-    <p:sldId id="289" r:id="rId29"/>
-    <p:sldId id="271" r:id="rId30"/>
+    <p:sldId id="290" r:id="rId3"/>
+    <p:sldId id="277" r:id="rId4"/>
+    <p:sldId id="270" r:id="rId5"/>
+    <p:sldId id="259" r:id="rId6"/>
+    <p:sldId id="279" r:id="rId7"/>
+    <p:sldId id="260" r:id="rId8"/>
+    <p:sldId id="258" r:id="rId9"/>
+    <p:sldId id="280" r:id="rId10"/>
+    <p:sldId id="261" r:id="rId11"/>
+    <p:sldId id="257" r:id="rId12"/>
+    <p:sldId id="276" r:id="rId13"/>
+    <p:sldId id="263" r:id="rId14"/>
+    <p:sldId id="281" r:id="rId15"/>
+    <p:sldId id="273" r:id="rId16"/>
+    <p:sldId id="282" r:id="rId17"/>
+    <p:sldId id="275" r:id="rId18"/>
+    <p:sldId id="283" r:id="rId19"/>
+    <p:sldId id="274" r:id="rId20"/>
+    <p:sldId id="262" r:id="rId21"/>
+    <p:sldId id="285" r:id="rId22"/>
+    <p:sldId id="264" r:id="rId23"/>
+    <p:sldId id="284" r:id="rId24"/>
+    <p:sldId id="286" r:id="rId25"/>
+    <p:sldId id="287" r:id="rId26"/>
+    <p:sldId id="278" r:id="rId27"/>
+    <p:sldId id="265" r:id="rId28"/>
+    <p:sldId id="288" r:id="rId29"/>
+    <p:sldId id="289" r:id="rId30"/>
+    <p:sldId id="271" r:id="rId31"/>
   </p:sldIdLst>
   <p:sldSz cx="9144000" cy="6858000" type="screen4x3"/>
   <p:notesSz cx="6858000" cy="9144000"/>
@@ -237,7 +238,7 @@
             <a:fld id="{B1FCBC6A-F0A9-4BFF-A238-18A9AF8A8FE6}" type="datetimeFigureOut">
               <a:rPr lang="en-US" smtClean="0"/>
               <a:pPr/>
-              <a:t>12/9/2021</a:t>
+              <a:t>12/10/2021</a:t>
             </a:fld>
             <a:endParaRPr lang="en-US"/>
           </a:p>
@@ -578,7 +579,7 @@
             <a:fld id="{4D695686-8F39-4BF6-9ABF-CC0B1DD79D7E}" type="slidenum">
               <a:rPr lang="en-US" smtClean="0"/>
               <a:pPr/>
-              <a:t>3</a:t>
+              <a:t>4</a:t>
             </a:fld>
             <a:endParaRPr lang="en-US"/>
           </a:p>
@@ -808,7 +809,7 @@
             <a:fld id="{4D695686-8F39-4BF6-9ABF-CC0B1DD79D7E}" type="slidenum">
               <a:rPr lang="en-US" smtClean="0"/>
               <a:pPr/>
-              <a:t>16</a:t>
+              <a:t>17</a:t>
             </a:fld>
             <a:endParaRPr lang="en-US"/>
           </a:p>
@@ -1138,7 +1139,7 @@
             <a:fld id="{4D695686-8F39-4BF6-9ABF-CC0B1DD79D7E}" type="slidenum">
               <a:rPr lang="en-US" smtClean="0"/>
               <a:pPr/>
-              <a:t>18</a:t>
+              <a:t>19</a:t>
             </a:fld>
             <a:endParaRPr lang="en-US"/>
           </a:p>
@@ -1251,7 +1252,7 @@
             <a:fld id="{4D695686-8F39-4BF6-9ABF-CC0B1DD79D7E}" type="slidenum">
               <a:rPr lang="en-US" smtClean="0"/>
               <a:pPr/>
-              <a:t>19</a:t>
+              <a:t>20</a:t>
             </a:fld>
             <a:endParaRPr lang="en-US"/>
           </a:p>
@@ -1336,7 +1337,7 @@
             <a:fld id="{4D695686-8F39-4BF6-9ABF-CC0B1DD79D7E}" type="slidenum">
               <a:rPr lang="en-US" smtClean="0"/>
               <a:pPr/>
-              <a:t>21</a:t>
+              <a:t>22</a:t>
             </a:fld>
             <a:endParaRPr lang="en-US"/>
           </a:p>
@@ -1433,7 +1434,7 @@
             <a:fld id="{4D695686-8F39-4BF6-9ABF-CC0B1DD79D7E}" type="slidenum">
               <a:rPr lang="en-US" smtClean="0"/>
               <a:pPr/>
-              <a:t>26</a:t>
+              <a:t>27</a:t>
             </a:fld>
             <a:endParaRPr lang="en-US"/>
           </a:p>
@@ -1518,7 +1519,7 @@
             <a:fld id="{4D695686-8F39-4BF6-9ABF-CC0B1DD79D7E}" type="slidenum">
               <a:rPr lang="en-US" smtClean="0"/>
               <a:pPr/>
-              <a:t>29</a:t>
+              <a:t>30</a:t>
             </a:fld>
             <a:endParaRPr lang="en-US"/>
           </a:p>
@@ -1603,7 +1604,7 @@
             <a:fld id="{4D695686-8F39-4BF6-9ABF-CC0B1DD79D7E}" type="slidenum">
               <a:rPr lang="en-US" smtClean="0"/>
               <a:pPr/>
-              <a:t>4</a:t>
+              <a:t>5</a:t>
             </a:fld>
             <a:endParaRPr lang="en-US"/>
           </a:p>
@@ -1727,7 +1728,7 @@
             <a:fld id="{4D695686-8F39-4BF6-9ABF-CC0B1DD79D7E}" type="slidenum">
               <a:rPr lang="en-US" smtClean="0"/>
               <a:pPr/>
-              <a:t>6</a:t>
+              <a:t>7</a:t>
             </a:fld>
             <a:endParaRPr lang="en-US"/>
           </a:p>
@@ -1838,7 +1839,7 @@
             <a:fld id="{4D695686-8F39-4BF6-9ABF-CC0B1DD79D7E}" type="slidenum">
               <a:rPr lang="en-US" smtClean="0"/>
               <a:pPr/>
-              <a:t>7</a:t>
+              <a:t>8</a:t>
             </a:fld>
             <a:endParaRPr lang="en-US"/>
           </a:p>
@@ -1927,7 +1928,7 @@
             <a:fld id="{4D695686-8F39-4BF6-9ABF-CC0B1DD79D7E}" type="slidenum">
               <a:rPr lang="en-US" smtClean="0"/>
               <a:pPr/>
-              <a:t>9</a:t>
+              <a:t>10</a:t>
             </a:fld>
             <a:endParaRPr lang="en-US"/>
           </a:p>
@@ -2113,7 +2114,7 @@
             <a:fld id="{4D695686-8F39-4BF6-9ABF-CC0B1DD79D7E}" type="slidenum">
               <a:rPr lang="en-US" smtClean="0"/>
               <a:pPr/>
-              <a:t>10</a:t>
+              <a:t>11</a:t>
             </a:fld>
             <a:endParaRPr lang="en-US"/>
           </a:p>
@@ -2259,7 +2260,7 @@
             <a:fld id="{4D695686-8F39-4BF6-9ABF-CC0B1DD79D7E}" type="slidenum">
               <a:rPr lang="en-US" smtClean="0"/>
               <a:pPr/>
-              <a:t>11</a:t>
+              <a:t>12</a:t>
             </a:fld>
             <a:endParaRPr lang="en-US"/>
           </a:p>
@@ -2351,7 +2352,7 @@
             <a:fld id="{4D695686-8F39-4BF6-9ABF-CC0B1DD79D7E}" type="slidenum">
               <a:rPr lang="en-US" smtClean="0"/>
               <a:pPr/>
-              <a:t>12</a:t>
+              <a:t>13</a:t>
             </a:fld>
             <a:endParaRPr lang="en-US"/>
           </a:p>
@@ -2532,7 +2533,7 @@
             <a:fld id="{4D695686-8F39-4BF6-9ABF-CC0B1DD79D7E}" type="slidenum">
               <a:rPr lang="en-US" smtClean="0"/>
               <a:pPr/>
-              <a:t>14</a:t>
+              <a:t>15</a:t>
             </a:fld>
             <a:endParaRPr lang="en-US"/>
           </a:p>
@@ -2713,7 +2714,7 @@
             <a:fld id="{D8E7A151-A963-4EF6-B47D-AFE1D5927EF3}" type="datetimeFigureOut">
               <a:rPr lang="en-US" smtClean="0"/>
               <a:pPr/>
-              <a:t>12/9/2021</a:t>
+              <a:t>12/10/2021</a:t>
             </a:fld>
             <a:endParaRPr lang="en-US"/>
           </a:p>
@@ -2879,7 +2880,7 @@
             <a:fld id="{D8E7A151-A963-4EF6-B47D-AFE1D5927EF3}" type="datetimeFigureOut">
               <a:rPr lang="en-US" smtClean="0"/>
               <a:pPr/>
-              <a:t>12/9/2021</a:t>
+              <a:t>12/10/2021</a:t>
             </a:fld>
             <a:endParaRPr lang="en-US"/>
           </a:p>
@@ -3055,7 +3056,7 @@
             <a:fld id="{D8E7A151-A963-4EF6-B47D-AFE1D5927EF3}" type="datetimeFigureOut">
               <a:rPr lang="en-US" smtClean="0"/>
               <a:pPr/>
-              <a:t>12/9/2021</a:t>
+              <a:t>12/10/2021</a:t>
             </a:fld>
             <a:endParaRPr lang="en-US"/>
           </a:p>
@@ -3221,7 +3222,7 @@
             <a:fld id="{D8E7A151-A963-4EF6-B47D-AFE1D5927EF3}" type="datetimeFigureOut">
               <a:rPr lang="en-US" smtClean="0"/>
               <a:pPr/>
-              <a:t>12/9/2021</a:t>
+              <a:t>12/10/2021</a:t>
             </a:fld>
             <a:endParaRPr lang="en-US"/>
           </a:p>
@@ -3459,7 +3460,7 @@
             <a:fld id="{D8E7A151-A963-4EF6-B47D-AFE1D5927EF3}" type="datetimeFigureOut">
               <a:rPr lang="en-US" smtClean="0"/>
               <a:pPr/>
-              <a:t>12/9/2021</a:t>
+              <a:t>12/10/2021</a:t>
             </a:fld>
             <a:endParaRPr lang="en-US"/>
           </a:p>
@@ -3724,7 +3725,7 @@
             <a:fld id="{D8E7A151-A963-4EF6-B47D-AFE1D5927EF3}" type="datetimeFigureOut">
               <a:rPr lang="en-US" smtClean="0"/>
               <a:pPr/>
-              <a:t>12/9/2021</a:t>
+              <a:t>12/10/2021</a:t>
             </a:fld>
             <a:endParaRPr lang="en-US"/>
           </a:p>
@@ -4103,7 +4104,7 @@
             <a:fld id="{D8E7A151-A963-4EF6-B47D-AFE1D5927EF3}" type="datetimeFigureOut">
               <a:rPr lang="en-US" smtClean="0"/>
               <a:pPr/>
-              <a:t>12/9/2021</a:t>
+              <a:t>12/10/2021</a:t>
             </a:fld>
             <a:endParaRPr lang="en-US"/>
           </a:p>
@@ -4254,7 +4255,7 @@
             <a:fld id="{D8E7A151-A963-4EF6-B47D-AFE1D5927EF3}" type="datetimeFigureOut">
               <a:rPr lang="en-US" smtClean="0"/>
               <a:pPr/>
-              <a:t>12/9/2021</a:t>
+              <a:t>12/10/2021</a:t>
             </a:fld>
             <a:endParaRPr lang="en-US"/>
           </a:p>
@@ -4346,7 +4347,7 @@
             <a:fld id="{D8E7A151-A963-4EF6-B47D-AFE1D5927EF3}" type="datetimeFigureOut">
               <a:rPr lang="en-US" smtClean="0"/>
               <a:pPr/>
-              <a:t>12/9/2021</a:t>
+              <a:t>12/10/2021</a:t>
             </a:fld>
             <a:endParaRPr lang="en-US"/>
           </a:p>
@@ -4608,7 +4609,7 @@
             <a:fld id="{D8E7A151-A963-4EF6-B47D-AFE1D5927EF3}" type="datetimeFigureOut">
               <a:rPr lang="en-US" smtClean="0"/>
               <a:pPr/>
-              <a:t>12/9/2021</a:t>
+              <a:t>12/10/2021</a:t>
             </a:fld>
             <a:endParaRPr lang="en-US"/>
           </a:p>
@@ -4897,7 +4898,7 @@
             <a:fld id="{D8E7A151-A963-4EF6-B47D-AFE1D5927EF3}" type="datetimeFigureOut">
               <a:rPr lang="en-US" smtClean="0"/>
               <a:pPr/>
-              <a:t>12/9/2021</a:t>
+              <a:t>12/10/2021</a:t>
             </a:fld>
             <a:endParaRPr lang="en-US"/>
           </a:p>
@@ -5668,7 +5669,7 @@
             <a:fld id="{D8E7A151-A963-4EF6-B47D-AFE1D5927EF3}" type="datetimeFigureOut">
               <a:rPr lang="en-US" smtClean="0"/>
               <a:pPr/>
-              <a:t>12/9/2021</a:t>
+              <a:t>12/10/2021</a:t>
             </a:fld>
             <a:endParaRPr lang="en-US"/>
           </a:p>
@@ -6299,8 +6300,8 @@
         </p:nvSpPr>
         <p:spPr>
           <a:xfrm>
-            <a:off x="304800" y="1377324"/>
-            <a:ext cx="7851648" cy="1828800"/>
+            <a:off x="307848" y="2743200"/>
+            <a:ext cx="8305800" cy="1828800"/>
           </a:xfrm>
         </p:spPr>
         <p:txBody>
@@ -6312,7 +6313,7 @@
             <a:pPr algn="ctr"/>
             <a:r>
               <a:rPr lang="en-US" dirty="0"/>
-              <a:t>AWS &amp; DevOps</a:t>
+              <a:t>Cloud Computing &amp; DevOps</a:t>
             </a:r>
           </a:p>
         </p:txBody>
@@ -6345,6 +6346,130 @@
 </file>
 
 <file path=ppt/slides/slide10.xml><?xml version="1.0" encoding="utf-8"?>
+<p:sld xmlns:a="http://schemas.openxmlformats.org/drawingml/2006/main" xmlns:r="http://schemas.openxmlformats.org/officeDocument/2006/relationships" xmlns:p="http://schemas.openxmlformats.org/presentationml/2006/main">
+  <p:cSld>
+    <p:spTree>
+      <p:nvGrpSpPr>
+        <p:cNvPr id="1" name=""/>
+        <p:cNvGrpSpPr/>
+        <p:nvPr/>
+      </p:nvGrpSpPr>
+      <p:grpSpPr>
+        <a:xfrm>
+          <a:off x="0" y="0"/>
+          <a:ext cx="0" cy="0"/>
+          <a:chOff x="0" y="0"/>
+          <a:chExt cx="0" cy="0"/>
+        </a:xfrm>
+      </p:grpSpPr>
+      <p:sp>
+        <p:nvSpPr>
+          <p:cNvPr id="2" name="Title 1"/>
+          <p:cNvSpPr>
+            <a:spLocks noGrp="1"/>
+          </p:cNvSpPr>
+          <p:nvPr>
+            <p:ph type="title"/>
+          </p:nvPr>
+        </p:nvSpPr>
+        <p:spPr>
+          <a:xfrm>
+            <a:off x="457200" y="704088"/>
+            <a:ext cx="8229600" cy="515112"/>
+          </a:xfrm>
+        </p:spPr>
+        <p:txBody>
+          <a:bodyPr>
+            <a:normAutofit fontScale="90000"/>
+          </a:bodyPr>
+          <a:lstStyle/>
+          <a:p>
+            <a:r>
+              <a:rPr lang="en-US" dirty="0"/>
+              <a:t>What is cloud computing ?</a:t>
+            </a:r>
+          </a:p>
+        </p:txBody>
+      </p:sp>
+      <p:sp>
+        <p:nvSpPr>
+          <p:cNvPr id="6" name="Content Placeholder 5">
+            <a:extLst>
+              <a:ext uri="{FF2B5EF4-FFF2-40B4-BE49-F238E27FC236}">
+                <a16:creationId xmlns:a16="http://schemas.microsoft.com/office/drawing/2014/main" id="{46358BCA-60A6-4412-8B16-0C85D72C671B}"/>
+              </a:ext>
+            </a:extLst>
+          </p:cNvPr>
+          <p:cNvSpPr>
+            <a:spLocks noGrp="1"/>
+          </p:cNvSpPr>
+          <p:nvPr>
+            <p:ph idx="1"/>
+          </p:nvPr>
+        </p:nvSpPr>
+        <p:spPr/>
+        <p:txBody>
+          <a:bodyPr/>
+          <a:lstStyle/>
+          <a:p>
+            <a:endParaRPr lang="en-IN"/>
+          </a:p>
+        </p:txBody>
+      </p:sp>
+      <p:pic>
+        <p:nvPicPr>
+          <p:cNvPr id="8" name="Picture 4">
+            <a:extLst>
+              <a:ext uri="{FF2B5EF4-FFF2-40B4-BE49-F238E27FC236}">
+                <a16:creationId xmlns:a16="http://schemas.microsoft.com/office/drawing/2014/main" id="{6B49D409-8FDD-46B1-AED1-B1F0C4C3133E}"/>
+              </a:ext>
+            </a:extLst>
+          </p:cNvPr>
+          <p:cNvPicPr>
+            <a:picLocks noChangeAspect="1" noChangeArrowheads="1"/>
+          </p:cNvPicPr>
+          <p:nvPr/>
+        </p:nvPicPr>
+        <p:blipFill>
+          <a:blip r:embed="rId3"/>
+          <a:srcRect/>
+          <a:stretch>
+            <a:fillRect/>
+          </a:stretch>
+        </p:blipFill>
+        <p:spPr bwMode="auto">
+          <a:xfrm>
+            <a:off x="457200" y="1957892"/>
+            <a:ext cx="8229600" cy="4604181"/>
+          </a:xfrm>
+          <a:prstGeom prst="rect">
+            <a:avLst/>
+          </a:prstGeom>
+          <a:ln w="38100" cap="sq">
+            <a:solidFill>
+              <a:srgbClr val="000000"/>
+            </a:solidFill>
+            <a:prstDash val="solid"/>
+            <a:miter lim="800000"/>
+          </a:ln>
+          <a:effectLst>
+            <a:outerShdw blurRad="50800" dist="38100" dir="2700000" algn="tl" rotWithShape="0">
+              <a:srgbClr val="000000">
+                <a:alpha val="43000"/>
+              </a:srgbClr>
+            </a:outerShdw>
+          </a:effectLst>
+        </p:spPr>
+      </p:pic>
+    </p:spTree>
+  </p:cSld>
+  <p:clrMapOvr>
+    <a:masterClrMapping/>
+  </p:clrMapOvr>
+</p:sld>
+</file>
+
+<file path=ppt/slides/slide11.xml><?xml version="1.0" encoding="utf-8"?>
 <p:sld xmlns:a="http://schemas.openxmlformats.org/drawingml/2006/main" xmlns:r="http://schemas.openxmlformats.org/officeDocument/2006/relationships" xmlns:p="http://schemas.openxmlformats.org/presentationml/2006/main">
   <p:cSld>
     <p:spTree>
@@ -6462,7 +6587,7 @@
 </p:sld>
 </file>
 
-<file path=ppt/slides/slide11.xml><?xml version="1.0" encoding="utf-8"?>
+<file path=ppt/slides/slide12.xml><?xml version="1.0" encoding="utf-8"?>
 <p:sld xmlns:a="http://schemas.openxmlformats.org/drawingml/2006/main" xmlns:r="http://schemas.openxmlformats.org/officeDocument/2006/relationships" xmlns:p="http://schemas.openxmlformats.org/presentationml/2006/main">
   <p:cSld>
     <p:spTree>
@@ -6571,7 +6696,7 @@
 </p:sld>
 </file>
 
-<file path=ppt/slides/slide12.xml><?xml version="1.0" encoding="utf-8"?>
+<file path=ppt/slides/slide13.xml><?xml version="1.0" encoding="utf-8"?>
 <p:sld xmlns:a="http://schemas.openxmlformats.org/drawingml/2006/main" xmlns:r="http://schemas.openxmlformats.org/officeDocument/2006/relationships" xmlns:p="http://schemas.openxmlformats.org/presentationml/2006/main">
   <p:cSld>
     <p:spTree>
@@ -6648,7 +6773,7 @@
 </p:sld>
 </file>
 
-<file path=ppt/slides/slide13.xml><?xml version="1.0" encoding="utf-8"?>
+<file path=ppt/slides/slide14.xml><?xml version="1.0" encoding="utf-8"?>
 <p:sld xmlns:a="http://schemas.openxmlformats.org/drawingml/2006/main" xmlns:r="http://schemas.openxmlformats.org/officeDocument/2006/relationships" xmlns:p="http://schemas.openxmlformats.org/presentationml/2006/main">
   <p:cSld>
     <p:spTree>
@@ -6755,7 +6880,7 @@
 </p:sld>
 </file>
 
-<file path=ppt/slides/slide14.xml><?xml version="1.0" encoding="utf-8"?>
+<file path=ppt/slides/slide15.xml><?xml version="1.0" encoding="utf-8"?>
 <p:sld xmlns:a="http://schemas.openxmlformats.org/drawingml/2006/main" xmlns:r="http://schemas.openxmlformats.org/officeDocument/2006/relationships" xmlns:p="http://schemas.openxmlformats.org/presentationml/2006/main">
   <p:cSld>
     <p:spTree>
@@ -6871,7 +6996,7 @@
 </p:sld>
 </file>
 
-<file path=ppt/slides/slide15.xml><?xml version="1.0" encoding="utf-8"?>
+<file path=ppt/slides/slide16.xml><?xml version="1.0" encoding="utf-8"?>
 <p:sld xmlns:a="http://schemas.openxmlformats.org/drawingml/2006/main" xmlns:r="http://schemas.openxmlformats.org/officeDocument/2006/relationships" xmlns:p="http://schemas.openxmlformats.org/presentationml/2006/main">
   <p:cSld>
     <p:spTree>
@@ -6976,7 +7101,7 @@
 </p:sld>
 </file>
 
-<file path=ppt/slides/slide16.xml><?xml version="1.0" encoding="utf-8"?>
+<file path=ppt/slides/slide17.xml><?xml version="1.0" encoding="utf-8"?>
 <p:sld xmlns:a="http://schemas.openxmlformats.org/drawingml/2006/main" xmlns:r="http://schemas.openxmlformats.org/officeDocument/2006/relationships" xmlns:p="http://schemas.openxmlformats.org/presentationml/2006/main">
   <p:cSld>
     <p:spTree>
@@ -7093,7 +7218,7 @@
 </p:sld>
 </file>
 
-<file path=ppt/slides/slide17.xml><?xml version="1.0" encoding="utf-8"?>
+<file path=ppt/slides/slide18.xml><?xml version="1.0" encoding="utf-8"?>
 <p:sld xmlns:a="http://schemas.openxmlformats.org/drawingml/2006/main" xmlns:r="http://schemas.openxmlformats.org/officeDocument/2006/relationships" xmlns:p="http://schemas.openxmlformats.org/presentationml/2006/main">
   <p:cSld>
     <p:spTree>
@@ -7201,7 +7326,7 @@
 </p:sld>
 </file>
 
-<file path=ppt/slides/slide18.xml><?xml version="1.0" encoding="utf-8"?>
+<file path=ppt/slides/slide19.xml><?xml version="1.0" encoding="utf-8"?>
 <p:sld xmlns:a="http://schemas.openxmlformats.org/drawingml/2006/main" xmlns:r="http://schemas.openxmlformats.org/officeDocument/2006/relationships" xmlns:p="http://schemas.openxmlformats.org/presentationml/2006/main">
   <p:cSld>
     <p:spTree>
@@ -7327,7 +7452,121 @@
 </p:sld>
 </file>
 
-<file path=ppt/slides/slide19.xml><?xml version="1.0" encoding="utf-8"?>
+<file path=ppt/slides/slide2.xml><?xml version="1.0" encoding="utf-8"?>
+<p:sld xmlns:a="http://schemas.openxmlformats.org/drawingml/2006/main" xmlns:r="http://schemas.openxmlformats.org/officeDocument/2006/relationships" xmlns:p="http://schemas.openxmlformats.org/presentationml/2006/main">
+  <p:cSld>
+    <p:spTree>
+      <p:nvGrpSpPr>
+        <p:cNvPr id="1" name=""/>
+        <p:cNvGrpSpPr/>
+        <p:nvPr/>
+      </p:nvGrpSpPr>
+      <p:grpSpPr>
+        <a:xfrm>
+          <a:off x="0" y="0"/>
+          <a:ext cx="0" cy="0"/>
+          <a:chOff x="0" y="0"/>
+          <a:chExt cx="0" cy="0"/>
+        </a:xfrm>
+      </p:grpSpPr>
+      <p:sp>
+        <p:nvSpPr>
+          <p:cNvPr id="2" name="Title 1">
+            <a:extLst>
+              <a:ext uri="{FF2B5EF4-FFF2-40B4-BE49-F238E27FC236}">
+                <a16:creationId xmlns:a16="http://schemas.microsoft.com/office/drawing/2014/main" id="{13E0E8C0-767A-4254-AABD-DA0E5A56956E}"/>
+              </a:ext>
+            </a:extLst>
+          </p:cNvPr>
+          <p:cNvSpPr>
+            <a:spLocks noGrp="1"/>
+          </p:cNvSpPr>
+          <p:nvPr>
+            <p:ph type="title"/>
+          </p:nvPr>
+        </p:nvSpPr>
+        <p:spPr/>
+        <p:txBody>
+          <a:bodyPr/>
+          <a:lstStyle/>
+          <a:p>
+            <a:r>
+              <a:rPr lang="en-US" dirty="0"/>
+              <a:t>Agenda</a:t>
+            </a:r>
+            <a:endParaRPr lang="en-IN" dirty="0"/>
+          </a:p>
+        </p:txBody>
+      </p:sp>
+      <p:sp>
+        <p:nvSpPr>
+          <p:cNvPr id="3" name="Content Placeholder 2">
+            <a:extLst>
+              <a:ext uri="{FF2B5EF4-FFF2-40B4-BE49-F238E27FC236}">
+                <a16:creationId xmlns:a16="http://schemas.microsoft.com/office/drawing/2014/main" id="{340448E1-F18B-4709-87F2-33B95C256519}"/>
+              </a:ext>
+            </a:extLst>
+          </p:cNvPr>
+          <p:cNvSpPr>
+            <a:spLocks noGrp="1"/>
+          </p:cNvSpPr>
+          <p:nvPr>
+            <p:ph idx="1"/>
+          </p:nvPr>
+        </p:nvSpPr>
+        <p:spPr/>
+        <p:txBody>
+          <a:bodyPr/>
+          <a:lstStyle/>
+          <a:p>
+            <a:r>
+              <a:rPr lang="en-US" sz="3200" dirty="0"/>
+              <a:t>Introduction about DevOps</a:t>
+            </a:r>
+          </a:p>
+          <a:p>
+            <a:r>
+              <a:rPr lang="en-US" sz="3200" dirty="0"/>
+              <a:t>Cloud Computing(AWS)</a:t>
+            </a:r>
+          </a:p>
+          <a:p>
+            <a:r>
+              <a:rPr lang="en-US" sz="3200" dirty="0"/>
+              <a:t>Version Control Introduction</a:t>
+            </a:r>
+          </a:p>
+          <a:p>
+            <a:r>
+              <a:rPr lang="en-US" sz="3200" dirty="0"/>
+              <a:t>Continuous Integration</a:t>
+            </a:r>
+          </a:p>
+          <a:p>
+            <a:r>
+              <a:rPr lang="en-US" sz="3200" dirty="0"/>
+              <a:t>Continuous Deployment </a:t>
+            </a:r>
+          </a:p>
+          <a:p>
+            <a:endParaRPr lang="en-IN" dirty="0"/>
+          </a:p>
+        </p:txBody>
+      </p:sp>
+    </p:spTree>
+    <p:extLst>
+      <p:ext uri="{BB962C8B-B14F-4D97-AF65-F5344CB8AC3E}">
+        <p14:creationId xmlns:p14="http://schemas.microsoft.com/office/powerpoint/2010/main" val="3282065428"/>
+      </p:ext>
+    </p:extLst>
+  </p:cSld>
+  <p:clrMapOvr>
+    <a:masterClrMapping/>
+  </p:clrMapOvr>
+</p:sld>
+</file>
+
+<file path=ppt/slides/slide20.xml><?xml version="1.0" encoding="utf-8"?>
 <p:sld xmlns:a="http://schemas.openxmlformats.org/drawingml/2006/main" xmlns:r="http://schemas.openxmlformats.org/officeDocument/2006/relationships" xmlns:p="http://schemas.openxmlformats.org/presentationml/2006/main">
   <p:cSld>
     <p:spTree>
@@ -7428,111 +7667,7 @@
 </p:sld>
 </file>
 
-<file path=ppt/slides/slide2.xml><?xml version="1.0" encoding="utf-8"?>
-<p:sld xmlns:a="http://schemas.openxmlformats.org/drawingml/2006/main" xmlns:r="http://schemas.openxmlformats.org/officeDocument/2006/relationships" xmlns:p="http://schemas.openxmlformats.org/presentationml/2006/main">
-  <p:cSld>
-    <p:spTree>
-      <p:nvGrpSpPr>
-        <p:cNvPr id="1" name=""/>
-        <p:cNvGrpSpPr/>
-        <p:nvPr/>
-      </p:nvGrpSpPr>
-      <p:grpSpPr>
-        <a:xfrm>
-          <a:off x="0" y="0"/>
-          <a:ext cx="0" cy="0"/>
-          <a:chOff x="0" y="0"/>
-          <a:chExt cx="0" cy="0"/>
-        </a:xfrm>
-      </p:grpSpPr>
-      <p:sp>
-        <p:nvSpPr>
-          <p:cNvPr id="2" name="Title 1">
-            <a:extLst>
-              <a:ext uri="{FF2B5EF4-FFF2-40B4-BE49-F238E27FC236}">
-                <a16:creationId xmlns:a16="http://schemas.microsoft.com/office/drawing/2014/main" id="{3B3AD1CD-814D-4094-87DF-F27B56EFE93B}"/>
-              </a:ext>
-            </a:extLst>
-          </p:cNvPr>
-          <p:cNvSpPr>
-            <a:spLocks noGrp="1"/>
-          </p:cNvSpPr>
-          <p:nvPr>
-            <p:ph type="title"/>
-          </p:nvPr>
-        </p:nvSpPr>
-        <p:spPr/>
-        <p:txBody>
-          <a:bodyPr/>
-          <a:lstStyle/>
-          <a:p>
-            <a:r>
-              <a:rPr lang="en-US" dirty="0"/>
-              <a:t>.</a:t>
-            </a:r>
-            <a:endParaRPr lang="en-IN" dirty="0"/>
-          </a:p>
-        </p:txBody>
-      </p:sp>
-      <p:pic>
-        <p:nvPicPr>
-          <p:cNvPr id="6" name="Content Placeholder 5">
-            <a:extLst>
-              <a:ext uri="{FF2B5EF4-FFF2-40B4-BE49-F238E27FC236}">
-                <a16:creationId xmlns:a16="http://schemas.microsoft.com/office/drawing/2014/main" id="{57E3614F-2801-42DE-87B8-B367B27B8E7D}"/>
-              </a:ext>
-            </a:extLst>
-          </p:cNvPr>
-          <p:cNvPicPr>
-            <a:picLocks noGrp="1" noChangeAspect="1" noChangeArrowheads="1"/>
-          </p:cNvPicPr>
-          <p:nvPr>
-            <p:ph idx="1"/>
-          </p:nvPr>
-        </p:nvPicPr>
-        <p:blipFill>
-          <a:blip r:embed="rId2"/>
-          <a:srcRect/>
-          <a:stretch>
-            <a:fillRect/>
-          </a:stretch>
-        </p:blipFill>
-        <p:spPr bwMode="auto">
-          <a:xfrm>
-            <a:off x="1009649" y="1524000"/>
-            <a:ext cx="7319391" cy="4267200"/>
-          </a:xfrm>
-          <a:prstGeom prst="rect">
-            <a:avLst/>
-          </a:prstGeom>
-          <a:ln w="228600" cap="sq" cmpd="thickThin">
-            <a:solidFill>
-              <a:srgbClr val="000000"/>
-            </a:solidFill>
-            <a:prstDash val="solid"/>
-            <a:miter lim="800000"/>
-          </a:ln>
-          <a:effectLst>
-            <a:innerShdw blurRad="76200">
-              <a:srgbClr val="000000"/>
-            </a:innerShdw>
-          </a:effectLst>
-        </p:spPr>
-      </p:pic>
-    </p:spTree>
-    <p:extLst>
-      <p:ext uri="{BB962C8B-B14F-4D97-AF65-F5344CB8AC3E}">
-        <p14:creationId xmlns:p14="http://schemas.microsoft.com/office/powerpoint/2010/main" val="3693191100"/>
-      </p:ext>
-    </p:extLst>
-  </p:cSld>
-  <p:clrMapOvr>
-    <a:masterClrMapping/>
-  </p:clrMapOvr>
-</p:sld>
-</file>
-
-<file path=ppt/slides/slide20.xml><?xml version="1.0" encoding="utf-8"?>
+<file path=ppt/slides/slide21.xml><?xml version="1.0" encoding="utf-8"?>
 <p:sld xmlns:a="http://schemas.openxmlformats.org/drawingml/2006/main" xmlns:r="http://schemas.openxmlformats.org/officeDocument/2006/relationships" xmlns:p="http://schemas.openxmlformats.org/presentationml/2006/main">
   <p:cSld>
     <p:spTree>
@@ -7644,7 +7779,7 @@
 </p:sld>
 </file>
 
-<file path=ppt/slides/slide21.xml><?xml version="1.0" encoding="utf-8"?>
+<file path=ppt/slides/slide22.xml><?xml version="1.0" encoding="utf-8"?>
 <p:sld xmlns:a="http://schemas.openxmlformats.org/drawingml/2006/main" xmlns:r="http://schemas.openxmlformats.org/officeDocument/2006/relationships" xmlns:p="http://schemas.openxmlformats.org/presentationml/2006/main">
   <p:cSld>
     <p:spTree>
@@ -7790,7 +7925,7 @@
 </p:sld>
 </file>
 
-<file path=ppt/slides/slide22.xml><?xml version="1.0" encoding="utf-8"?>
+<file path=ppt/slides/slide23.xml><?xml version="1.0" encoding="utf-8"?>
 <p:sld xmlns:a="http://schemas.openxmlformats.org/drawingml/2006/main" xmlns:r="http://schemas.openxmlformats.org/officeDocument/2006/relationships" xmlns:p="http://schemas.openxmlformats.org/presentationml/2006/main">
   <p:cSld>
     <p:spTree>
@@ -7910,7 +8045,7 @@
 </p:sld>
 </file>
 
-<file path=ppt/slides/slide23.xml><?xml version="1.0" encoding="utf-8"?>
+<file path=ppt/slides/slide24.xml><?xml version="1.0" encoding="utf-8"?>
 <p:sld xmlns:a="http://schemas.openxmlformats.org/drawingml/2006/main" xmlns:r="http://schemas.openxmlformats.org/officeDocument/2006/relationships" xmlns:p="http://schemas.openxmlformats.org/presentationml/2006/main">
   <p:cSld>
     <p:spTree>
@@ -8007,7 +8142,7 @@
 </p:sld>
 </file>
 
-<file path=ppt/slides/slide24.xml><?xml version="1.0" encoding="utf-8"?>
+<file path=ppt/slides/slide25.xml><?xml version="1.0" encoding="utf-8"?>
 <p:sld xmlns:a="http://schemas.openxmlformats.org/drawingml/2006/main" xmlns:r="http://schemas.openxmlformats.org/officeDocument/2006/relationships" xmlns:p="http://schemas.openxmlformats.org/presentationml/2006/main">
   <p:cSld>
     <p:spTree>
@@ -8142,7 +8277,7 @@
 </p:sld>
 </file>
 
-<file path=ppt/slides/slide25.xml><?xml version="1.0" encoding="utf-8"?>
+<file path=ppt/slides/slide26.xml><?xml version="1.0" encoding="utf-8"?>
 <p:sld xmlns:a="http://schemas.openxmlformats.org/drawingml/2006/main" xmlns:r="http://schemas.openxmlformats.org/officeDocument/2006/relationships" xmlns:p="http://schemas.openxmlformats.org/presentationml/2006/main">
   <p:cSld>
     <p:spTree>
@@ -8249,7 +8384,7 @@
 </p:sld>
 </file>
 
-<file path=ppt/slides/slide26.xml><?xml version="1.0" encoding="utf-8"?>
+<file path=ppt/slides/slide27.xml><?xml version="1.0" encoding="utf-8"?>
 <p:sld xmlns:a="http://schemas.openxmlformats.org/drawingml/2006/main" xmlns:r="http://schemas.openxmlformats.org/officeDocument/2006/relationships" xmlns:p="http://schemas.openxmlformats.org/presentationml/2006/main">
   <p:cSld>
     <p:spTree>
@@ -8376,7 +8511,7 @@
 </p:sld>
 </file>
 
-<file path=ppt/slides/slide27.xml><?xml version="1.0" encoding="utf-8"?>
+<file path=ppt/slides/slide28.xml><?xml version="1.0" encoding="utf-8"?>
 <p:sld xmlns:a="http://schemas.openxmlformats.org/drawingml/2006/main" xmlns:r="http://schemas.openxmlformats.org/officeDocument/2006/relationships" xmlns:p="http://schemas.openxmlformats.org/presentationml/2006/main">
   <p:cSld>
     <p:spTree>
@@ -8482,7 +8617,7 @@
 </p:sld>
 </file>
 
-<file path=ppt/slides/slide28.xml><?xml version="1.0" encoding="utf-8"?>
+<file path=ppt/slides/slide29.xml><?xml version="1.0" encoding="utf-8"?>
 <p:sld xmlns:a="http://schemas.openxmlformats.org/drawingml/2006/main" xmlns:r="http://schemas.openxmlformats.org/officeDocument/2006/relationships" xmlns:p="http://schemas.openxmlformats.org/presentationml/2006/main">
   <p:cSld>
     <p:spTree>
@@ -8593,119 +8728,6 @@
 </p:sld>
 </file>
 
-<file path=ppt/slides/slide29.xml><?xml version="1.0" encoding="utf-8"?>
-<p:sld xmlns:a="http://schemas.openxmlformats.org/drawingml/2006/main" xmlns:r="http://schemas.openxmlformats.org/officeDocument/2006/relationships" xmlns:p="http://schemas.openxmlformats.org/presentationml/2006/main">
-  <p:cSld>
-    <p:spTree>
-      <p:nvGrpSpPr>
-        <p:cNvPr id="1" name=""/>
-        <p:cNvGrpSpPr/>
-        <p:nvPr/>
-      </p:nvGrpSpPr>
-      <p:grpSpPr>
-        <a:xfrm>
-          <a:off x="0" y="0"/>
-          <a:ext cx="0" cy="0"/>
-          <a:chOff x="0" y="0"/>
-          <a:chExt cx="0" cy="0"/>
-        </a:xfrm>
-      </p:grpSpPr>
-      <p:sp>
-        <p:nvSpPr>
-          <p:cNvPr id="2" name="Title 1"/>
-          <p:cNvSpPr>
-            <a:spLocks noGrp="1"/>
-          </p:cNvSpPr>
-          <p:nvPr>
-            <p:ph type="title"/>
-          </p:nvPr>
-        </p:nvSpPr>
-        <p:spPr/>
-        <p:txBody>
-          <a:bodyPr/>
-          <a:lstStyle/>
-          <a:p>
-            <a:r>
-              <a:rPr lang="en-US" dirty="0"/>
-              <a:t>Course Summary</a:t>
-            </a:r>
-          </a:p>
-        </p:txBody>
-      </p:sp>
-      <p:sp>
-        <p:nvSpPr>
-          <p:cNvPr id="3" name="Content Placeholder 2"/>
-          <p:cNvSpPr>
-            <a:spLocks noGrp="1"/>
-          </p:cNvSpPr>
-          <p:nvPr>
-            <p:ph idx="1"/>
-          </p:nvPr>
-        </p:nvSpPr>
-        <p:spPr/>
-        <p:txBody>
-          <a:bodyPr>
-            <a:normAutofit/>
-          </a:bodyPr>
-          <a:lstStyle/>
-          <a:p>
-            <a:r>
-              <a:rPr lang="en-US" dirty="0"/>
-              <a:t>Why should I learn cloud</a:t>
-            </a:r>
-          </a:p>
-          <a:p>
-            <a:r>
-              <a:rPr lang="en-US" dirty="0"/>
-              <a:t>Comparison of traditional and cloud computing models</a:t>
-            </a:r>
-          </a:p>
-          <a:p>
-            <a:r>
-              <a:rPr lang="en-US" dirty="0"/>
-              <a:t>Cloud service and deployment models</a:t>
-            </a:r>
-          </a:p>
-          <a:p>
-            <a:r>
-              <a:rPr lang="en-US" dirty="0"/>
-              <a:t>Major </a:t>
-            </a:r>
-            <a:r>
-              <a:rPr lang="en-US" dirty="0" err="1"/>
-              <a:t>IaaS</a:t>
-            </a:r>
-            <a:r>
-              <a:rPr lang="en-US" dirty="0"/>
-              <a:t>, </a:t>
-            </a:r>
-            <a:r>
-              <a:rPr lang="en-US" dirty="0" err="1"/>
-              <a:t>PaaS</a:t>
-            </a:r>
-            <a:r>
-              <a:rPr lang="en-US" dirty="0"/>
-              <a:t> and </a:t>
-            </a:r>
-            <a:r>
-              <a:rPr lang="en-US" dirty="0" err="1"/>
-              <a:t>SaaS</a:t>
-            </a:r>
-            <a:r>
-              <a:rPr lang="en-US" dirty="0"/>
-              <a:t> providers</a:t>
-            </a:r>
-          </a:p>
-        </p:txBody>
-      </p:sp>
-    </p:spTree>
-  </p:cSld>
-  <p:clrMapOvr>
-    <a:masterClrMapping/>
-  </p:clrMapOvr>
-</p:sld>
-</file>
-
 <file path=ppt/slides/slide3.xml><?xml version="1.0" encoding="utf-8"?>
 <p:sld xmlns:a="http://schemas.openxmlformats.org/drawingml/2006/main" xmlns:r="http://schemas.openxmlformats.org/officeDocument/2006/relationships" xmlns:p="http://schemas.openxmlformats.org/presentationml/2006/main">
   <p:cSld>
@@ -8725,12 +8747,138 @@
       </p:grpSpPr>
       <p:sp>
         <p:nvSpPr>
+          <p:cNvPr id="2" name="Title 1">
+            <a:extLst>
+              <a:ext uri="{FF2B5EF4-FFF2-40B4-BE49-F238E27FC236}">
+                <a16:creationId xmlns:a16="http://schemas.microsoft.com/office/drawing/2014/main" id="{3B3AD1CD-814D-4094-87DF-F27B56EFE93B}"/>
+              </a:ext>
+            </a:extLst>
+          </p:cNvPr>
+          <p:cNvSpPr>
+            <a:spLocks noGrp="1"/>
+          </p:cNvSpPr>
+          <p:nvPr>
+            <p:ph type="title"/>
+          </p:nvPr>
+        </p:nvSpPr>
+        <p:spPr/>
+        <p:txBody>
+          <a:bodyPr/>
+          <a:lstStyle/>
+          <a:p>
+            <a:r>
+              <a:rPr lang="en-US" dirty="0"/>
+              <a:t>.</a:t>
+            </a:r>
+            <a:endParaRPr lang="en-IN" dirty="0"/>
+          </a:p>
+        </p:txBody>
+      </p:sp>
+      <p:pic>
+        <p:nvPicPr>
+          <p:cNvPr id="6" name="Content Placeholder 5">
+            <a:extLst>
+              <a:ext uri="{FF2B5EF4-FFF2-40B4-BE49-F238E27FC236}">
+                <a16:creationId xmlns:a16="http://schemas.microsoft.com/office/drawing/2014/main" id="{57E3614F-2801-42DE-87B8-B367B27B8E7D}"/>
+              </a:ext>
+            </a:extLst>
+          </p:cNvPr>
+          <p:cNvPicPr>
+            <a:picLocks noGrp="1" noChangeAspect="1" noChangeArrowheads="1"/>
+          </p:cNvPicPr>
+          <p:nvPr>
+            <p:ph idx="1"/>
+          </p:nvPr>
+        </p:nvPicPr>
+        <p:blipFill>
+          <a:blip r:embed="rId2"/>
+          <a:srcRect/>
+          <a:stretch>
+            <a:fillRect/>
+          </a:stretch>
+        </p:blipFill>
+        <p:spPr bwMode="auto">
+          <a:xfrm>
+            <a:off x="1009649" y="1524000"/>
+            <a:ext cx="7319391" cy="4267200"/>
+          </a:xfrm>
+          <a:prstGeom prst="rect">
+            <a:avLst/>
+          </a:prstGeom>
+          <a:ln w="228600" cap="sq" cmpd="thickThin">
+            <a:solidFill>
+              <a:srgbClr val="000000"/>
+            </a:solidFill>
+            <a:prstDash val="solid"/>
+            <a:miter lim="800000"/>
+          </a:ln>
+          <a:effectLst>
+            <a:innerShdw blurRad="76200">
+              <a:srgbClr val="000000"/>
+            </a:innerShdw>
+          </a:effectLst>
+        </p:spPr>
+      </p:pic>
+    </p:spTree>
+    <p:extLst>
+      <p:ext uri="{BB962C8B-B14F-4D97-AF65-F5344CB8AC3E}">
+        <p14:creationId xmlns:p14="http://schemas.microsoft.com/office/powerpoint/2010/main" val="3693191100"/>
+      </p:ext>
+    </p:extLst>
+  </p:cSld>
+  <p:clrMapOvr>
+    <a:masterClrMapping/>
+  </p:clrMapOvr>
+</p:sld>
+</file>
+
+<file path=ppt/slides/slide30.xml><?xml version="1.0" encoding="utf-8"?>
+<p:sld xmlns:a="http://schemas.openxmlformats.org/drawingml/2006/main" xmlns:r="http://schemas.openxmlformats.org/officeDocument/2006/relationships" xmlns:p="http://schemas.openxmlformats.org/presentationml/2006/main">
+  <p:cSld>
+    <p:spTree>
+      <p:nvGrpSpPr>
+        <p:cNvPr id="1" name=""/>
+        <p:cNvGrpSpPr/>
+        <p:nvPr/>
+      </p:nvGrpSpPr>
+      <p:grpSpPr>
+        <a:xfrm>
+          <a:off x="0" y="0"/>
+          <a:ext cx="0" cy="0"/>
+          <a:chOff x="0" y="0"/>
+          <a:chExt cx="0" cy="0"/>
+        </a:xfrm>
+      </p:grpSpPr>
+      <p:sp>
+        <p:nvSpPr>
           <p:cNvPr id="2" name="Title 1"/>
           <p:cNvSpPr>
             <a:spLocks noGrp="1"/>
           </p:cNvSpPr>
           <p:nvPr>
             <p:ph type="title"/>
+          </p:nvPr>
+        </p:nvSpPr>
+        <p:spPr/>
+        <p:txBody>
+          <a:bodyPr/>
+          <a:lstStyle/>
+          <a:p>
+            <a:r>
+              <a:rPr lang="en-US" dirty="0"/>
+              <a:t>Course Summary</a:t>
+            </a:r>
+          </a:p>
+        </p:txBody>
+      </p:sp>
+      <p:sp>
+        <p:nvSpPr>
+          <p:cNvPr id="3" name="Content Placeholder 2"/>
+          <p:cNvSpPr>
+            <a:spLocks noGrp="1"/>
+          </p:cNvSpPr>
+          <p:nvPr>
+            <p:ph idx="1"/>
           </p:nvPr>
         </p:nvSpPr>
         <p:spPr/>
@@ -8742,41 +8890,49 @@
           <a:p>
             <a:r>
               <a:rPr lang="en-US" dirty="0"/>
-              <a:t>About Cloud Computing</a:t>
-            </a:r>
-          </a:p>
-        </p:txBody>
-      </p:sp>
-      <p:sp>
-        <p:nvSpPr>
-          <p:cNvPr id="3" name="Content Placeholder 2"/>
-          <p:cNvSpPr>
-            <a:spLocks noGrp="1"/>
-          </p:cNvSpPr>
-          <p:nvPr>
-            <p:ph idx="1"/>
-          </p:nvPr>
-        </p:nvSpPr>
-        <p:spPr/>
-        <p:txBody>
-          <a:bodyPr/>
-          <a:lstStyle/>
+              <a:t>Why should I learn cloud</a:t>
+            </a:r>
+          </a:p>
           <a:p>
             <a:r>
               <a:rPr lang="en-US" dirty="0"/>
-              <a:t>Cloud Computing is a term which indicates delivery of computing resources - servers, storage, network etc.</a:t>
+              <a:t>Comparison of traditional and cloud computing models</a:t>
             </a:r>
           </a:p>
           <a:p>
             <a:r>
               <a:rPr lang="en-US" dirty="0"/>
-              <a:t>It can be accessed from anywhere, anytime over the internet</a:t>
+              <a:t>Cloud service and deployment models</a:t>
             </a:r>
           </a:p>
           <a:p>
             <a:r>
               <a:rPr lang="en-US" dirty="0"/>
-              <a:t>Cloud market is expanding extremely fast, and its business revenue is predicted to quadruple in the next decade.</a:t>
+              <a:t>Major </a:t>
+            </a:r>
+            <a:r>
+              <a:rPr lang="en-US" dirty="0" err="1"/>
+              <a:t>IaaS</a:t>
+            </a:r>
+            <a:r>
+              <a:rPr lang="en-US" dirty="0"/>
+              <a:t>, </a:t>
+            </a:r>
+            <a:r>
+              <a:rPr lang="en-US" dirty="0" err="1"/>
+              <a:t>PaaS</a:t>
+            </a:r>
+            <a:r>
+              <a:rPr lang="en-US" dirty="0"/>
+              <a:t> and </a:t>
+            </a:r>
+            <a:r>
+              <a:rPr lang="en-US" dirty="0" err="1"/>
+              <a:t>SaaS</a:t>
+            </a:r>
+            <a:r>
+              <a:rPr lang="en-US" dirty="0"/>
+              <a:t> providers</a:t>
             </a:r>
           </a:p>
         </p:txBody>
@@ -8818,76 +8974,48 @@
         </p:nvSpPr>
         <p:spPr/>
         <p:txBody>
+          <a:bodyPr>
+            <a:normAutofit/>
+          </a:bodyPr>
+          <a:lstStyle/>
+          <a:p>
+            <a:r>
+              <a:rPr lang="en-US" dirty="0"/>
+              <a:t>About Cloud Computing</a:t>
+            </a:r>
+          </a:p>
+        </p:txBody>
+      </p:sp>
+      <p:sp>
+        <p:nvSpPr>
+          <p:cNvPr id="3" name="Content Placeholder 2"/>
+          <p:cNvSpPr>
+            <a:spLocks noGrp="1"/>
+          </p:cNvSpPr>
+          <p:nvPr>
+            <p:ph idx="1"/>
+          </p:nvPr>
+        </p:nvSpPr>
+        <p:spPr/>
+        <p:txBody>
           <a:bodyPr/>
           <a:lstStyle/>
           <a:p>
             <a:r>
               <a:rPr lang="en-US" dirty="0"/>
-              <a:t>Over view</a:t>
-            </a:r>
-          </a:p>
-        </p:txBody>
-      </p:sp>
-      <p:sp>
-        <p:nvSpPr>
-          <p:cNvPr id="3" name="Content Placeholder 2"/>
-          <p:cNvSpPr>
-            <a:spLocks noGrp="1"/>
-          </p:cNvSpPr>
-          <p:nvPr>
-            <p:ph idx="1"/>
-          </p:nvPr>
-        </p:nvSpPr>
-        <p:spPr/>
-        <p:txBody>
-          <a:bodyPr/>
-          <a:lstStyle/>
+              <a:t>Cloud Computing is a term which indicates delivery of computing resources - servers, storage, network etc.</a:t>
+            </a:r>
+          </a:p>
           <a:p>
             <a:r>
               <a:rPr lang="en-US" dirty="0"/>
-              <a:t>Why Cloud?</a:t>
+              <a:t>It can be accessed from anywhere, anytime over the internet</a:t>
             </a:r>
           </a:p>
           <a:p>
             <a:r>
               <a:rPr lang="en-US" dirty="0"/>
-              <a:t>What is Cloud?</a:t>
-            </a:r>
-          </a:p>
-          <a:p>
-            <a:r>
-              <a:rPr lang="en-US" dirty="0"/>
-              <a:t>Why Cloud computing?</a:t>
-            </a:r>
-          </a:p>
-          <a:p>
-            <a:r>
-              <a:rPr lang="en-US" dirty="0"/>
-              <a:t>Essential characteristics of cloud computing</a:t>
-            </a:r>
-          </a:p>
-          <a:p>
-            <a:r>
-              <a:rPr lang="en-US" dirty="0"/>
-              <a:t>Cloud service models</a:t>
-            </a:r>
-          </a:p>
-          <a:p>
-            <a:r>
-              <a:rPr lang="en-US" dirty="0"/>
-              <a:t>Cloud Deployment models</a:t>
-            </a:r>
-          </a:p>
-          <a:p>
-            <a:r>
-              <a:rPr lang="en-US" dirty="0"/>
-              <a:t>Top Cloud service providers</a:t>
-            </a:r>
-          </a:p>
-          <a:p>
-            <a:r>
-              <a:rPr lang="en-US" dirty="0"/>
-              <a:t>Course Summary</a:t>
+              <a:t>Cloud market is expanding extremely fast, and its business revenue is predicted to quadruple in the next decade.</a:t>
             </a:r>
           </a:p>
         </p:txBody>
@@ -8901,6 +9029,117 @@
 </file>
 
 <file path=ppt/slides/slide5.xml><?xml version="1.0" encoding="utf-8"?>
+<p:sld xmlns:a="http://schemas.openxmlformats.org/drawingml/2006/main" xmlns:r="http://schemas.openxmlformats.org/officeDocument/2006/relationships" xmlns:p="http://schemas.openxmlformats.org/presentationml/2006/main">
+  <p:cSld>
+    <p:spTree>
+      <p:nvGrpSpPr>
+        <p:cNvPr id="1" name=""/>
+        <p:cNvGrpSpPr/>
+        <p:nvPr/>
+      </p:nvGrpSpPr>
+      <p:grpSpPr>
+        <a:xfrm>
+          <a:off x="0" y="0"/>
+          <a:ext cx="0" cy="0"/>
+          <a:chOff x="0" y="0"/>
+          <a:chExt cx="0" cy="0"/>
+        </a:xfrm>
+      </p:grpSpPr>
+      <p:sp>
+        <p:nvSpPr>
+          <p:cNvPr id="2" name="Title 1"/>
+          <p:cNvSpPr>
+            <a:spLocks noGrp="1"/>
+          </p:cNvSpPr>
+          <p:nvPr>
+            <p:ph type="title"/>
+          </p:nvPr>
+        </p:nvSpPr>
+        <p:spPr/>
+        <p:txBody>
+          <a:bodyPr/>
+          <a:lstStyle/>
+          <a:p>
+            <a:r>
+              <a:rPr lang="en-US" dirty="0"/>
+              <a:t>Over view</a:t>
+            </a:r>
+          </a:p>
+        </p:txBody>
+      </p:sp>
+      <p:sp>
+        <p:nvSpPr>
+          <p:cNvPr id="3" name="Content Placeholder 2"/>
+          <p:cNvSpPr>
+            <a:spLocks noGrp="1"/>
+          </p:cNvSpPr>
+          <p:nvPr>
+            <p:ph idx="1"/>
+          </p:nvPr>
+        </p:nvSpPr>
+        <p:spPr/>
+        <p:txBody>
+          <a:bodyPr/>
+          <a:lstStyle/>
+          <a:p>
+            <a:r>
+              <a:rPr lang="en-US" dirty="0"/>
+              <a:t>Why Cloud?</a:t>
+            </a:r>
+          </a:p>
+          <a:p>
+            <a:r>
+              <a:rPr lang="en-US" dirty="0"/>
+              <a:t>What is Cloud?</a:t>
+            </a:r>
+          </a:p>
+          <a:p>
+            <a:r>
+              <a:rPr lang="en-US" dirty="0"/>
+              <a:t>Why Cloud computing?</a:t>
+            </a:r>
+          </a:p>
+          <a:p>
+            <a:r>
+              <a:rPr lang="en-US" dirty="0"/>
+              <a:t>Essential characteristics of cloud computing</a:t>
+            </a:r>
+          </a:p>
+          <a:p>
+            <a:r>
+              <a:rPr lang="en-US" dirty="0"/>
+              <a:t>Cloud service models</a:t>
+            </a:r>
+          </a:p>
+          <a:p>
+            <a:r>
+              <a:rPr lang="en-US" dirty="0"/>
+              <a:t>Cloud Deployment models</a:t>
+            </a:r>
+          </a:p>
+          <a:p>
+            <a:r>
+              <a:rPr lang="en-US" dirty="0"/>
+              <a:t>Top Cloud service providers</a:t>
+            </a:r>
+          </a:p>
+          <a:p>
+            <a:r>
+              <a:rPr lang="en-US" dirty="0"/>
+              <a:t>Course Summary</a:t>
+            </a:r>
+          </a:p>
+        </p:txBody>
+      </p:sp>
+    </p:spTree>
+  </p:cSld>
+  <p:clrMapOvr>
+    <a:masterClrMapping/>
+  </p:clrMapOvr>
+</p:sld>
+</file>
+
+<file path=ppt/slides/slide6.xml><?xml version="1.0" encoding="utf-8"?>
 <p:sld xmlns:a="http://schemas.openxmlformats.org/drawingml/2006/main" xmlns:r="http://schemas.openxmlformats.org/officeDocument/2006/relationships" xmlns:p="http://schemas.openxmlformats.org/presentationml/2006/main">
   <p:cSld>
     <p:spTree>
@@ -9006,7 +9245,7 @@
 </p:sld>
 </file>
 
-<file path=ppt/slides/slide6.xml><?xml version="1.0" encoding="utf-8"?>
+<file path=ppt/slides/slide7.xml><?xml version="1.0" encoding="utf-8"?>
 <p:sld xmlns:a="http://schemas.openxmlformats.org/drawingml/2006/main" xmlns:r="http://schemas.openxmlformats.org/officeDocument/2006/relationships" xmlns:p="http://schemas.openxmlformats.org/presentationml/2006/main">
   <p:cSld>
     <p:spTree>
@@ -9262,7 +9501,7 @@
 </p:sld>
 </file>
 
-<file path=ppt/slides/slide7.xml><?xml version="1.0" encoding="utf-8"?>
+<file path=ppt/slides/slide8.xml><?xml version="1.0" encoding="utf-8"?>
 <p:sld xmlns:a="http://schemas.openxmlformats.org/drawingml/2006/main" xmlns:r="http://schemas.openxmlformats.org/officeDocument/2006/relationships" xmlns:p="http://schemas.openxmlformats.org/presentationml/2006/main">
   <p:cSld>
     <p:spTree>
@@ -9398,7 +9637,7 @@
 </p:sld>
 </file>
 
-<file path=ppt/slides/slide8.xml><?xml version="1.0" encoding="utf-8"?>
+<file path=ppt/slides/slide9.xml><?xml version="1.0" encoding="utf-8"?>
 <p:sld xmlns:a="http://schemas.openxmlformats.org/drawingml/2006/main" xmlns:r="http://schemas.openxmlformats.org/officeDocument/2006/relationships" xmlns:p="http://schemas.openxmlformats.org/presentationml/2006/main">
   <p:cSld>
     <p:spTree>
@@ -9497,130 +9736,6 @@
         <p14:creationId xmlns:p14="http://schemas.microsoft.com/office/powerpoint/2010/main" val="3248005623"/>
       </p:ext>
     </p:extLst>
-  </p:cSld>
-  <p:clrMapOvr>
-    <a:masterClrMapping/>
-  </p:clrMapOvr>
-</p:sld>
-</file>
-
-<file path=ppt/slides/slide9.xml><?xml version="1.0" encoding="utf-8"?>
-<p:sld xmlns:a="http://schemas.openxmlformats.org/drawingml/2006/main" xmlns:r="http://schemas.openxmlformats.org/officeDocument/2006/relationships" xmlns:p="http://schemas.openxmlformats.org/presentationml/2006/main">
-  <p:cSld>
-    <p:spTree>
-      <p:nvGrpSpPr>
-        <p:cNvPr id="1" name=""/>
-        <p:cNvGrpSpPr/>
-        <p:nvPr/>
-      </p:nvGrpSpPr>
-      <p:grpSpPr>
-        <a:xfrm>
-          <a:off x="0" y="0"/>
-          <a:ext cx="0" cy="0"/>
-          <a:chOff x="0" y="0"/>
-          <a:chExt cx="0" cy="0"/>
-        </a:xfrm>
-      </p:grpSpPr>
-      <p:sp>
-        <p:nvSpPr>
-          <p:cNvPr id="2" name="Title 1"/>
-          <p:cNvSpPr>
-            <a:spLocks noGrp="1"/>
-          </p:cNvSpPr>
-          <p:nvPr>
-            <p:ph type="title"/>
-          </p:nvPr>
-        </p:nvSpPr>
-        <p:spPr>
-          <a:xfrm>
-            <a:off x="457200" y="704088"/>
-            <a:ext cx="8229600" cy="515112"/>
-          </a:xfrm>
-        </p:spPr>
-        <p:txBody>
-          <a:bodyPr>
-            <a:normAutofit fontScale="90000"/>
-          </a:bodyPr>
-          <a:lstStyle/>
-          <a:p>
-            <a:r>
-              <a:rPr lang="en-US" dirty="0"/>
-              <a:t>What is cloud computing ?</a:t>
-            </a:r>
-          </a:p>
-        </p:txBody>
-      </p:sp>
-      <p:sp>
-        <p:nvSpPr>
-          <p:cNvPr id="6" name="Content Placeholder 5">
-            <a:extLst>
-              <a:ext uri="{FF2B5EF4-FFF2-40B4-BE49-F238E27FC236}">
-                <a16:creationId xmlns:a16="http://schemas.microsoft.com/office/drawing/2014/main" id="{46358BCA-60A6-4412-8B16-0C85D72C671B}"/>
-              </a:ext>
-            </a:extLst>
-          </p:cNvPr>
-          <p:cNvSpPr>
-            <a:spLocks noGrp="1"/>
-          </p:cNvSpPr>
-          <p:nvPr>
-            <p:ph idx="1"/>
-          </p:nvPr>
-        </p:nvSpPr>
-        <p:spPr/>
-        <p:txBody>
-          <a:bodyPr/>
-          <a:lstStyle/>
-          <a:p>
-            <a:endParaRPr lang="en-IN"/>
-          </a:p>
-        </p:txBody>
-      </p:sp>
-      <p:pic>
-        <p:nvPicPr>
-          <p:cNvPr id="8" name="Picture 4">
-            <a:extLst>
-              <a:ext uri="{FF2B5EF4-FFF2-40B4-BE49-F238E27FC236}">
-                <a16:creationId xmlns:a16="http://schemas.microsoft.com/office/drawing/2014/main" id="{6B49D409-8FDD-46B1-AED1-B1F0C4C3133E}"/>
-              </a:ext>
-            </a:extLst>
-          </p:cNvPr>
-          <p:cNvPicPr>
-            <a:picLocks noChangeAspect="1" noChangeArrowheads="1"/>
-          </p:cNvPicPr>
-          <p:nvPr/>
-        </p:nvPicPr>
-        <p:blipFill>
-          <a:blip r:embed="rId3"/>
-          <a:srcRect/>
-          <a:stretch>
-            <a:fillRect/>
-          </a:stretch>
-        </p:blipFill>
-        <p:spPr bwMode="auto">
-          <a:xfrm>
-            <a:off x="457200" y="1957892"/>
-            <a:ext cx="8229600" cy="4604181"/>
-          </a:xfrm>
-          <a:prstGeom prst="rect">
-            <a:avLst/>
-          </a:prstGeom>
-          <a:ln w="38100" cap="sq">
-            <a:solidFill>
-              <a:srgbClr val="000000"/>
-            </a:solidFill>
-            <a:prstDash val="solid"/>
-            <a:miter lim="800000"/>
-          </a:ln>
-          <a:effectLst>
-            <a:outerShdw blurRad="50800" dist="38100" dir="2700000" algn="tl" rotWithShape="0">
-              <a:srgbClr val="000000">
-                <a:alpha val="43000"/>
-              </a:srgbClr>
-            </a:outerShdw>
-          </a:effectLst>
-        </p:spPr>
-      </p:pic>
-    </p:spTree>
   </p:cSld>
   <p:clrMapOvr>
     <a:masterClrMapping/>
